--- a/bars_presentation.pptx
+++ b/bars_presentation.pptx
@@ -5442,7 +5442,15 @@
             <a:p>
               <a:r>
                 <a:rPr lang="en-US" sz="2500" dirty="0"/>
-                <a:t>#  What  are the questions that would like to get answer after with this project?</a:t>
+                <a:t>#  What  are questions </a:t>
+              </a:r>
+              <a:r>
+                <a:rPr lang="en-US" sz="2500"/>
+                <a:t>that I would </a:t>
+              </a:r>
+              <a:r>
+                <a:rPr lang="en-US" sz="2500" dirty="0"/>
+                <a:t>like to get answer after with this project?</a:t>
               </a:r>
             </a:p>
             <a:p>
@@ -5608,7 +5616,7 @@
             </a:r>
             <a:r>
               <a:rPr lang="en-US" sz="2300" dirty="0"/>
-              <a:t> is Neighborhood in New York City has the most active night life?</a:t>
+              <a:t> Neighborhood in New York City has the most active night life?</a:t>
             </a:r>
           </a:p>
           <a:p>
@@ -5638,7 +5646,7 @@
             </a:pPr>
             <a:r>
               <a:rPr lang="en-US" sz="2300" dirty="0"/>
-              <a:t>Which day of the week is best and worst to go to bars?</a:t>
+              <a:t>Which day of the week is best and worst to go bars?</a:t>
             </a:r>
           </a:p>
           <a:p>
@@ -5793,9 +5801,9 @@
         <p:grpSpPr>
           <a:xfrm>
             <a:off x="0" y="883855"/>
-            <a:ext cx="12339791" cy="5974145"/>
+            <a:ext cx="12401575" cy="5974145"/>
             <a:chOff x="0" y="883855"/>
-            <a:chExt cx="12339791" cy="5974145"/>
+            <a:chExt cx="12401575" cy="5974145"/>
           </a:xfrm>
         </p:grpSpPr>
         <p:pic>
@@ -5877,8 +5885,8 @@
           </p:nvSpPr>
           <p:spPr>
             <a:xfrm>
-              <a:off x="6309694" y="2065055"/>
-              <a:ext cx="6030097" cy="3170099"/>
+              <a:off x="6371478" y="3115380"/>
+              <a:ext cx="6030097" cy="2785378"/>
             </a:xfrm>
             <a:prstGeom prst="rect">
               <a:avLst/>
@@ -5914,7 +5922,7 @@
             <a:p>
               <a:r>
                 <a:rPr lang="en-US" sz="2500" dirty="0"/>
-                <a:t>Choosing neighborhood in New York City bars from scraping yelp</a:t>
+                <a:t>Choosing neighborhood in New York City</a:t>
               </a:r>
             </a:p>
             <a:p>
@@ -5926,6 +5934,49 @@
           </p:txBody>
         </p:sp>
       </p:grpSp>
+      <p:sp>
+        <p:nvSpPr>
+          <p:cNvPr id="2" name="TextBox 1">
+            <a:extLst>
+              <a:ext uri="{FF2B5EF4-FFF2-40B4-BE49-F238E27FC236}">
+                <a16:creationId xmlns:a16="http://schemas.microsoft.com/office/drawing/2014/main" id="{48837CBF-EE2E-CA4A-B4D6-CEB9D6C6DAA5}"/>
+              </a:ext>
+            </a:extLst>
+          </p:cNvPr>
+          <p:cNvSpPr txBox="1"/>
+          <p:nvPr/>
+        </p:nvSpPr>
+        <p:spPr>
+          <a:xfrm>
+            <a:off x="1013251" y="1014660"/>
+            <a:ext cx="6206314" cy="477054"/>
+          </a:xfrm>
+          <a:prstGeom prst="rect">
+            <a:avLst/>
+          </a:prstGeom>
+          <a:noFill/>
+        </p:spPr>
+        <p:txBody>
+          <a:bodyPr wrap="none" rtlCol="0">
+            <a:spAutoFit/>
+          </a:bodyPr>
+          <a:lstStyle/>
+          <a:p>
+            <a:r>
+              <a:rPr lang="en-US" sz="2500" dirty="0" err="1">
+                <a:solidFill>
+                  <a:srgbClr val="00B050"/>
+                </a:solidFill>
+              </a:rPr>
+              <a:t>Scrapy</a:t>
+            </a:r>
+            <a:r>
+              <a:rPr lang="en-US" sz="2500" dirty="0"/>
+              <a:t> was used for web scraping Yelp website</a:t>
+            </a:r>
+          </a:p>
+        </p:txBody>
+      </p:sp>
     </p:spTree>
     <p:extLst>
       <p:ext uri="{BB962C8B-B14F-4D97-AF65-F5344CB8AC3E}">
@@ -7645,7 +7696,7 @@
           </a:p>
           <a:p>
             <a:r>
-              <a:rPr lang="en-US" sz="2500" b="1" dirty="0"/>
+              <a:rPr lang="en-US" sz="2500" b="1" i="1" dirty="0"/>
               <a:t>Friday</a:t>
             </a:r>
           </a:p>
@@ -7663,7 +7714,7 @@
           </a:p>
           <a:p>
             <a:r>
-              <a:rPr lang="en-US" sz="2500" b="1" dirty="0"/>
+              <a:rPr lang="en-US" sz="2500" b="1" i="1" dirty="0"/>
               <a:t>Monday</a:t>
             </a:r>
           </a:p>

--- a/bars_presentation.pptx
+++ b/bars_presentation.pptx
@@ -5108,13 +5108,13 @@
           <a:p>
             <a:r>
               <a:rPr lang="en-US" sz="2500" dirty="0"/>
-              <a:t>Finding zones of popular drinking site (may be using heat map) might provider driving </a:t>
+              <a:t>Finding zones of popular drinking site (may be using heat map) might provide driving </a:t>
             </a:r>
           </a:p>
           <a:p>
             <a:r>
               <a:rPr lang="en-US" sz="2500" dirty="0"/>
-              <a:t>Industry new area to focus to expand their business </a:t>
+              <a:t>industry new area to focus to expand their business </a:t>
             </a:r>
           </a:p>
         </p:txBody>
@@ -5433,7 +5433,7 @@
             <a:p>
               <a:r>
                 <a:rPr lang="en-US" sz="2500" dirty="0"/>
-                <a:t>#  Why I decided to do this project?</a:t>
+                <a:t>#  Why New York city bar project?</a:t>
               </a:r>
             </a:p>
             <a:p>
@@ -5442,15 +5442,7 @@
             <a:p>
               <a:r>
                 <a:rPr lang="en-US" sz="2500" dirty="0"/>
-                <a:t>#  What  are questions </a:t>
-              </a:r>
-              <a:r>
-                <a:rPr lang="en-US" sz="2500"/>
-                <a:t>that I would </a:t>
-              </a:r>
-              <a:r>
-                <a:rPr lang="en-US" sz="2500" dirty="0"/>
-                <a:t>like to get answer after with this project?</a:t>
+                <a:t>#  What questions that I would like to get answer after this project?</a:t>
               </a:r>
             </a:p>
             <a:p>
@@ -5459,7 +5451,7 @@
             <a:p>
               <a:r>
                 <a:rPr lang="en-US" sz="2500" dirty="0"/>
-                <a:t>#  Challenges for that I went through while collecting and cleaning data</a:t>
+                <a:t>#  Challenges for collecting and cleaning data</a:t>
               </a:r>
             </a:p>
             <a:p>
@@ -5477,7 +5469,7 @@
             <a:p>
               <a:r>
                 <a:rPr lang="en-US" sz="2500" dirty="0"/>
-                <a:t>#  Conclusion</a:t>
+                <a:t>#  Conclusion and future direction</a:t>
               </a:r>
             </a:p>
             <a:p>

--- a/bars_presentation.pptx
+++ b/bars_presentation.pptx
@@ -7209,14 +7209,14 @@
           <p:nvPr>
             <p:extLst>
               <p:ext uri="{D42A27DB-BD31-4B8C-83A1-F6EECF244321}">
-                <p14:modId xmlns:p14="http://schemas.microsoft.com/office/powerpoint/2010/main" val="1327307622"/>
+                <p14:modId xmlns:p14="http://schemas.microsoft.com/office/powerpoint/2010/main" val="4253060991"/>
               </p:ext>
             </p:extLst>
           </p:nvPr>
         </p:nvGraphicFramePr>
         <p:xfrm>
-          <a:off x="7144088" y="1147715"/>
-          <a:ext cx="4355653" cy="5172464"/>
+          <a:off x="6487300" y="1231204"/>
+          <a:ext cx="5459599" cy="5069661"/>
         </p:xfrm>
         <a:graphic>
           <a:graphicData uri="http://schemas.openxmlformats.org/drawingml/2006/table">
@@ -7225,21 +7225,21 @@
                 <a:tableStyleId>{5C22544A-7EE6-4342-B048-85BDC9FD1C3A}</a:tableStyleId>
               </a:tblPr>
               <a:tblGrid>
-                <a:gridCol w="1066661">
+                <a:gridCol w="1318006">
                   <a:extLst>
                     <a:ext uri="{9D8B030D-6E8A-4147-A177-3AD203B41FA5}">
-                      <a16:colId xmlns:a16="http://schemas.microsoft.com/office/drawing/2014/main" val="1619078275"/>
+                      <a16:colId xmlns:a16="http://schemas.microsoft.com/office/drawing/2014/main" val="3836345650"/>
                     </a:ext>
                   </a:extLst>
                 </a:gridCol>
-                <a:gridCol w="1644496">
+                <a:gridCol w="2172775">
                   <a:extLst>
                     <a:ext uri="{9D8B030D-6E8A-4147-A177-3AD203B41FA5}">
-                      <a16:colId xmlns:a16="http://schemas.microsoft.com/office/drawing/2014/main" val="1604199074"/>
+                      <a16:colId xmlns:a16="http://schemas.microsoft.com/office/drawing/2014/main" val="3154013318"/>
                     </a:ext>
                   </a:extLst>
                 </a:gridCol>
-                <a:gridCol w="1644496">
+                <a:gridCol w="1968818">
                   <a:extLst>
                     <a:ext uri="{9D8B030D-6E8A-4147-A177-3AD203B41FA5}">
                       <a16:colId xmlns:a16="http://schemas.microsoft.com/office/drawing/2014/main" val="144306272"/>
@@ -7247,7 +7247,7 @@
                   </a:extLst>
                 </a:gridCol>
               </a:tblGrid>
-              <a:tr h="1100681">
+              <a:tr h="1320312">
                 <a:tc>
                   <a:txBody>
                     <a:bodyPr/>
@@ -7266,10 +7266,30 @@
                     <a:bodyPr/>
                     <a:lstStyle/>
                     <a:p>
+                      <a:pPr marL="0" marR="0" lvl="0" indent="0" algn="l" defTabSz="914400" rtl="0" eaLnBrk="1" fontAlgn="auto" latinLnBrk="0" hangingPunct="1">
+                        <a:lnSpc>
+                          <a:spcPct val="100000"/>
+                        </a:lnSpc>
+                        <a:spcBef>
+                          <a:spcPts val="0"/>
+                        </a:spcBef>
+                        <a:spcAft>
+                          <a:spcPts val="0"/>
+                        </a:spcAft>
+                        <a:buClrTx/>
+                        <a:buSzTx/>
+                        <a:buFontTx/>
+                        <a:buNone/>
+                        <a:tabLst/>
+                        <a:defRPr/>
+                      </a:pPr>
                       <a:r>
                         <a:rPr lang="en-US" dirty="0"/>
                         <a:t>Total popularity index by a day of week</a:t>
                       </a:r>
+                    </a:p>
+                    <a:p>
+                      <a:endParaRPr lang="en-US" dirty="0"/>
                     </a:p>
                   </a:txBody>
                   <a:tcPr/>
@@ -7305,7 +7325,7 @@
                   </a:ext>
                 </a:extLst>
               </a:tr>
-              <a:tr h="462781">
+              <a:tr h="431484">
                 <a:tc>
                   <a:txBody>
                     <a:bodyPr/>
@@ -7313,7 +7333,65 @@
                     <a:p>
                       <a:r>
                         <a:rPr lang="en-US" dirty="0"/>
-                        <a:t>Sunday</a:t>
+                        <a:t>Friday</a:t>
+                      </a:r>
+                    </a:p>
+                  </a:txBody>
+                  <a:tcPr>
+                    <a:solidFill>
+                      <a:srgbClr val="00B050"/>
+                    </a:solidFill>
+                  </a:tcPr>
+                </a:tc>
+                <a:tc>
+                  <a:txBody>
+                    <a:bodyPr/>
+                    <a:lstStyle/>
+                    <a:p>
+                      <a:r>
+                        <a:rPr lang="en-US" dirty="0"/>
+                        <a:t>30632.43</a:t>
+                      </a:r>
+                    </a:p>
+                  </a:txBody>
+                  <a:tcPr>
+                    <a:solidFill>
+                      <a:srgbClr val="00B050"/>
+                    </a:solidFill>
+                  </a:tcPr>
+                </a:tc>
+                <a:tc>
+                  <a:txBody>
+                    <a:bodyPr/>
+                    <a:lstStyle/>
+                    <a:p>
+                      <a:r>
+                        <a:rPr lang="en-US" dirty="0"/>
+                        <a:t>23.79</a:t>
+                      </a:r>
+                    </a:p>
+                  </a:txBody>
+                  <a:tcPr>
+                    <a:solidFill>
+                      <a:srgbClr val="00B050"/>
+                    </a:solidFill>
+                  </a:tcPr>
+                </a:tc>
+                <a:extLst>
+                  <a:ext uri="{0D108BD9-81ED-4DB2-BD59-A6C34878D82A}">
+                    <a16:rowId xmlns:a16="http://schemas.microsoft.com/office/drawing/2014/main" val="4117285420"/>
+                  </a:ext>
+                </a:extLst>
+              </a:tr>
+              <a:tr h="616407">
+                <a:tc>
+                  <a:txBody>
+                    <a:bodyPr/>
+                    <a:lstStyle/>
+                    <a:p>
+                      <a:r>
+                        <a:rPr lang="en-US" dirty="0"/>
+                        <a:t>Saturday</a:t>
                       </a:r>
                     </a:p>
                   </a:txBody>
@@ -7326,7 +7404,7 @@
                     <a:p>
                       <a:r>
                         <a:rPr lang="en-US" dirty="0"/>
-                        <a:t>4783.85</a:t>
+                        <a:t>29120.72</a:t>
                       </a:r>
                     </a:p>
                   </a:txBody>
@@ -7339,7 +7417,7 @@
                     <a:p>
                       <a:r>
                         <a:rPr lang="en-US" dirty="0"/>
-                        <a:t>3.72</a:t>
+                        <a:t>22.62</a:t>
                       </a:r>
                     </a:p>
                   </a:txBody>
@@ -7347,11 +7425,11 @@
                 </a:tc>
                 <a:extLst>
                   <a:ext uri="{0D108BD9-81ED-4DB2-BD59-A6C34878D82A}">
-                    <a16:rowId xmlns:a16="http://schemas.microsoft.com/office/drawing/2014/main" val="4117285420"/>
+                    <a16:rowId xmlns:a16="http://schemas.microsoft.com/office/drawing/2014/main" val="3030087735"/>
                   </a:ext>
                 </a:extLst>
               </a:tr>
-              <a:tr h="592674">
+              <a:tr h="577637">
                 <a:tc>
                   <a:txBody>
                     <a:bodyPr/>
@@ -7359,7 +7437,7 @@
                     <a:p>
                       <a:r>
                         <a:rPr lang="en-US" dirty="0"/>
-                        <a:t>Monday</a:t>
+                        <a:t>Thursday</a:t>
                       </a:r>
                     </a:p>
                   </a:txBody>
@@ -7372,7 +7450,7 @@
                     <a:p>
                       <a:r>
                         <a:rPr lang="en-US" dirty="0"/>
-                        <a:t>1287.31</a:t>
+                        <a:t>25381.67</a:t>
                       </a:r>
                     </a:p>
                   </a:txBody>
@@ -7385,53 +7463,7 @@
                     <a:p>
                       <a:r>
                         <a:rPr lang="en-US" dirty="0"/>
-                        <a:t>1.00</a:t>
-                      </a:r>
-                    </a:p>
-                  </a:txBody>
-                  <a:tcPr/>
-                </a:tc>
-                <a:extLst>
-                  <a:ext uri="{0D108BD9-81ED-4DB2-BD59-A6C34878D82A}">
-                    <a16:rowId xmlns:a16="http://schemas.microsoft.com/office/drawing/2014/main" val="3030087735"/>
-                  </a:ext>
-                </a:extLst>
-              </a:tr>
-              <a:tr h="592674">
-                <a:tc>
-                  <a:txBody>
-                    <a:bodyPr/>
-                    <a:lstStyle/>
-                    <a:p>
-                      <a:r>
-                        <a:rPr lang="en-US" dirty="0"/>
-                        <a:t>Tuesday</a:t>
-                      </a:r>
-                    </a:p>
-                  </a:txBody>
-                  <a:tcPr/>
-                </a:tc>
-                <a:tc>
-                  <a:txBody>
-                    <a:bodyPr/>
-                    <a:lstStyle/>
-                    <a:p>
-                      <a:r>
-                        <a:rPr lang="en-US" dirty="0"/>
-                        <a:t>3250.44</a:t>
-                      </a:r>
-                    </a:p>
-                  </a:txBody>
-                  <a:tcPr/>
-                </a:tc>
-                <a:tc>
-                  <a:txBody>
-                    <a:bodyPr/>
-                    <a:lstStyle/>
-                    <a:p>
-                      <a:r>
-                        <a:rPr lang="en-US" dirty="0"/>
-                        <a:t>2.52</a:t>
+                        <a:t>19.72</a:t>
                       </a:r>
                     </a:p>
                   </a:txBody>
@@ -7443,7 +7475,7 @@
                   </a:ext>
                 </a:extLst>
               </a:tr>
-              <a:tr h="592674">
+              <a:tr h="616407">
                 <a:tc>
                   <a:txBody>
                     <a:bodyPr/>
@@ -7489,7 +7521,7 @@
                   </a:ext>
                 </a:extLst>
               </a:tr>
-              <a:tr h="592674">
+              <a:tr h="433667">
                 <a:tc>
                   <a:txBody>
                     <a:bodyPr/>
@@ -7497,7 +7529,7 @@
                     <a:p>
                       <a:r>
                         <a:rPr lang="en-US" dirty="0"/>
-                        <a:t>Thursday</a:t>
+                        <a:t>Sunday</a:t>
                       </a:r>
                     </a:p>
                   </a:txBody>
@@ -7510,7 +7542,7 @@
                     <a:p>
                       <a:r>
                         <a:rPr lang="en-US" dirty="0"/>
-                        <a:t>25381.67</a:t>
+                        <a:t>4783.85</a:t>
                       </a:r>
                     </a:p>
                   </a:txBody>
@@ -7523,7 +7555,7 @@
                     <a:p>
                       <a:r>
                         <a:rPr lang="en-US" dirty="0"/>
-                        <a:t>19.72</a:t>
+                        <a:t>3.72</a:t>
                       </a:r>
                     </a:p>
                   </a:txBody>
@@ -7535,7 +7567,7 @@
                   </a:ext>
                 </a:extLst>
               </a:tr>
-              <a:tr h="462781">
+              <a:tr h="433667">
                 <a:tc>
                   <a:txBody>
                     <a:bodyPr/>
@@ -7543,7 +7575,7 @@
                     <a:p>
                       <a:r>
                         <a:rPr lang="en-US" dirty="0"/>
-                        <a:t>Friday</a:t>
+                        <a:t>Tuesday</a:t>
                       </a:r>
                     </a:p>
                   </a:txBody>
@@ -7556,7 +7588,7 @@
                     <a:p>
                       <a:r>
                         <a:rPr lang="en-US" dirty="0"/>
-                        <a:t>30632.43</a:t>
+                        <a:t>3250.44</a:t>
                       </a:r>
                     </a:p>
                   </a:txBody>
@@ -7569,7 +7601,7 @@
                     <a:p>
                       <a:r>
                         <a:rPr lang="en-US" dirty="0"/>
-                        <a:t>23.79</a:t>
+                        <a:t>2.52</a:t>
                       </a:r>
                     </a:p>
                   </a:txBody>
@@ -7581,7 +7613,7 @@
                   </a:ext>
                 </a:extLst>
               </a:tr>
-              <a:tr h="592674">
+              <a:tr h="604091">
                 <a:tc>
                   <a:txBody>
                     <a:bodyPr/>
@@ -7589,11 +7621,15 @@
                     <a:p>
                       <a:r>
                         <a:rPr lang="en-US" dirty="0"/>
-                        <a:t>Saturday</a:t>
+                        <a:t>Monday</a:t>
                       </a:r>
                     </a:p>
                   </a:txBody>
-                  <a:tcPr/>
+                  <a:tcPr>
+                    <a:solidFill>
+                      <a:srgbClr val="FF0000"/>
+                    </a:solidFill>
+                  </a:tcPr>
                 </a:tc>
                 <a:tc>
                   <a:txBody>
@@ -7602,11 +7638,15 @@
                     <a:p>
                       <a:r>
                         <a:rPr lang="en-US" dirty="0"/>
-                        <a:t>29120.72</a:t>
+                        <a:t>1287.31</a:t>
                       </a:r>
                     </a:p>
                   </a:txBody>
-                  <a:tcPr/>
+                  <a:tcPr>
+                    <a:solidFill>
+                      <a:srgbClr val="FF0000"/>
+                    </a:solidFill>
+                  </a:tcPr>
                 </a:tc>
                 <a:tc>
                   <a:txBody>
@@ -7632,14 +7672,18 @@
                       </a:pPr>
                       <a:r>
                         <a:rPr lang="en-US" dirty="0"/>
-                        <a:t>22.62</a:t>
+                        <a:t>1.00</a:t>
                       </a:r>
                     </a:p>
                     <a:p>
                       <a:endParaRPr lang="en-US" dirty="0"/>
                     </a:p>
                   </a:txBody>
-                  <a:tcPr/>
+                  <a:tcPr>
+                    <a:solidFill>
+                      <a:srgbClr val="FF0000"/>
+                    </a:solidFill>
+                  </a:tcPr>
                 </a:tc>
                 <a:extLst>
                   <a:ext uri="{0D108BD9-81ED-4DB2-BD59-A6C34878D82A}">
@@ -7666,7 +7710,50 @@
         <p:spPr>
           <a:xfrm>
             <a:off x="1177871" y="2867187"/>
-            <a:ext cx="4293031" cy="2400657"/>
+            <a:ext cx="4293031" cy="861774"/>
+          </a:xfrm>
+          <a:prstGeom prst="rect">
+            <a:avLst/>
+          </a:prstGeom>
+          <a:solidFill>
+            <a:srgbClr val="00B050"/>
+          </a:solidFill>
+        </p:spPr>
+        <p:txBody>
+          <a:bodyPr wrap="square" rtlCol="0">
+            <a:spAutoFit/>
+          </a:bodyPr>
+          <a:lstStyle/>
+          <a:p>
+            <a:r>
+              <a:rPr lang="en-US" sz="2500" b="1" dirty="0"/>
+              <a:t>Best night:</a:t>
+            </a:r>
+          </a:p>
+          <a:p>
+            <a:r>
+              <a:rPr lang="en-US" sz="2500" b="1" i="1" dirty="0"/>
+              <a:t>Friday</a:t>
+            </a:r>
+          </a:p>
+        </p:txBody>
+      </p:sp>
+      <p:sp>
+        <p:nvSpPr>
+          <p:cNvPr id="8" name="TextBox 7">
+            <a:extLst>
+              <a:ext uri="{FF2B5EF4-FFF2-40B4-BE49-F238E27FC236}">
+                <a16:creationId xmlns:a16="http://schemas.microsoft.com/office/drawing/2014/main" id="{8103B917-73EC-6C41-ACA1-968254D98FCD}"/>
+              </a:ext>
+            </a:extLst>
+          </p:cNvPr>
+          <p:cNvSpPr txBox="1"/>
+          <p:nvPr/>
+        </p:nvSpPr>
+        <p:spPr>
+          <a:xfrm>
+            <a:off x="1141581" y="4552598"/>
+            <a:ext cx="4293031" cy="861774"/>
           </a:xfrm>
           <a:prstGeom prst="rect">
             <a:avLst/>
@@ -7680,24 +7767,6 @@
             <a:spAutoFit/>
           </a:bodyPr>
           <a:lstStyle/>
-          <a:p>
-            <a:r>
-              <a:rPr lang="en-US" sz="2500" b="1" dirty="0"/>
-              <a:t>Best night:</a:t>
-            </a:r>
-          </a:p>
-          <a:p>
-            <a:r>
-              <a:rPr lang="en-US" sz="2500" b="1" i="1" dirty="0"/>
-              <a:t>Friday</a:t>
-            </a:r>
-          </a:p>
-          <a:p>
-            <a:endParaRPr lang="en-US" sz="2500" b="1" dirty="0"/>
-          </a:p>
-          <a:p>
-            <a:endParaRPr lang="en-US" sz="2500" b="1" dirty="0"/>
-          </a:p>
           <a:p>
             <a:r>
               <a:rPr lang="en-US" sz="2500" b="1" dirty="0"/>

--- a/bars_presentation.pptx
+++ b/bars_presentation.pptx
@@ -5792,10 +5792,10 @@
         </p:nvGrpSpPr>
         <p:grpSpPr>
           <a:xfrm>
-            <a:off x="0" y="883855"/>
-            <a:ext cx="12401575" cy="5974145"/>
-            <a:chOff x="0" y="883855"/>
-            <a:chExt cx="12401575" cy="5974145"/>
+            <a:off x="37061" y="859141"/>
+            <a:ext cx="11788355" cy="5974145"/>
+            <a:chOff x="37061" y="859141"/>
+            <a:chExt cx="11788355" cy="5974145"/>
           </a:xfrm>
         </p:grpSpPr>
         <p:pic>
@@ -5820,8 +5820,8 @@
           </p:blipFill>
           <p:spPr>
             <a:xfrm>
-              <a:off x="0" y="883855"/>
-              <a:ext cx="7811146" cy="5974145"/>
+              <a:off x="37061" y="859141"/>
+              <a:ext cx="6573794" cy="5974145"/>
             </a:xfrm>
             <a:prstGeom prst="rect">
               <a:avLst/>
@@ -5877,8 +5877,8 @@
           </p:nvSpPr>
           <p:spPr>
             <a:xfrm>
-              <a:off x="6371478" y="3115380"/>
-              <a:ext cx="6030097" cy="2785378"/>
+              <a:off x="6759146" y="2026507"/>
+              <a:ext cx="5066270" cy="2400657"/>
             </a:xfrm>
             <a:prstGeom prst="rect">
               <a:avLst/>
@@ -5891,27 +5891,20 @@
             </a:bodyPr>
             <a:lstStyle/>
             <a:p>
+              <a:pPr marL="342900" indent="-342900">
+                <a:buFont typeface="Arial" panose="020B0604020202020204" pitchFamily="34" charset="0"/>
+                <a:buChar char="•"/>
+              </a:pPr>
               <a:r>
                 <a:rPr lang="en-US" sz="2500" dirty="0"/>
-                <a:t>Finding correct x-path for each attributes as </a:t>
+                <a:t>Finding correct x-path for each attributes</a:t>
               </a:r>
             </a:p>
             <a:p>
-              <a:r>
-                <a:rPr lang="en-US" sz="2500" dirty="0"/>
-                <a:t>description and attributes were embedded</a:t>
-              </a:r>
-            </a:p>
-            <a:p>
-              <a:r>
-                <a:rPr lang="en-US" sz="2500" dirty="0"/>
-                <a:t>under same class</a:t>
-              </a:r>
-            </a:p>
-            <a:p>
-              <a:endParaRPr lang="en-US" sz="2500" dirty="0"/>
-            </a:p>
-            <a:p>
+              <a:pPr marL="342900" indent="-342900">
+                <a:buFont typeface="Arial" panose="020B0604020202020204" pitchFamily="34" charset="0"/>
+                <a:buChar char="•"/>
+              </a:pPr>
               <a:r>
                 <a:rPr lang="en-US" sz="2500" dirty="0"/>
                 <a:t>Choosing neighborhood in New York City</a:t>
@@ -5940,8 +5933,8 @@
         </p:nvSpPr>
         <p:spPr>
           <a:xfrm>
-            <a:off x="1013251" y="1014660"/>
-            <a:ext cx="6206314" cy="477054"/>
+            <a:off x="247134" y="859141"/>
+            <a:ext cx="6326650" cy="477054"/>
           </a:xfrm>
           <a:prstGeom prst="rect">
             <a:avLst/>
@@ -5949,7 +5942,7 @@
           <a:noFill/>
         </p:spPr>
         <p:txBody>
-          <a:bodyPr wrap="none" rtlCol="0">
+          <a:bodyPr wrap="square" rtlCol="0">
             <a:spAutoFit/>
           </a:bodyPr>
           <a:lstStyle/>

--- a/bars_presentation.pptx
+++ b/bars_presentation.pptx
@@ -5,7 +5,7 @@
     <p:sldMasterId id="2147483648" r:id="rId1"/>
   </p:sldMasterIdLst>
   <p:notesMasterIdLst>
-    <p:notesMasterId r:id="rId13"/>
+    <p:notesMasterId r:id="rId14"/>
   </p:notesMasterIdLst>
   <p:sldIdLst>
     <p:sldId id="256" r:id="rId2"/>
@@ -19,6 +19,7 @@
     <p:sldId id="275" r:id="rId10"/>
     <p:sldId id="276" r:id="rId11"/>
     <p:sldId id="279" r:id="rId12"/>
+    <p:sldId id="280" r:id="rId13"/>
   </p:sldIdLst>
   <p:sldSz cx="12192000" cy="6858000"/>
   <p:notesSz cx="6858000" cy="9144000"/>
@@ -207,7 +208,7 @@
           <a:p>
             <a:fld id="{3A00E2BF-6EB7-2247-B584-CE5E7260DD4C}" type="datetimeFigureOut">
               <a:rPr lang="en-US" smtClean="0"/>
-              <a:t>10/18/18</a:t>
+              <a:t>10/23/18</a:t>
             </a:fld>
             <a:endParaRPr lang="en-US"/>
           </a:p>
@@ -726,6 +727,90 @@
 </p:notes>
 </file>
 
+<file path=ppt/notesSlides/notesSlide12.xml><?xml version="1.0" encoding="utf-8"?>
+<p:notes xmlns:a="http://schemas.openxmlformats.org/drawingml/2006/main" xmlns:r="http://schemas.openxmlformats.org/officeDocument/2006/relationships" xmlns:p="http://schemas.openxmlformats.org/presentationml/2006/main">
+  <p:cSld>
+    <p:spTree>
+      <p:nvGrpSpPr>
+        <p:cNvPr id="1" name=""/>
+        <p:cNvGrpSpPr/>
+        <p:nvPr/>
+      </p:nvGrpSpPr>
+      <p:grpSpPr>
+        <a:xfrm>
+          <a:off x="0" y="0"/>
+          <a:ext cx="0" cy="0"/>
+          <a:chOff x="0" y="0"/>
+          <a:chExt cx="0" cy="0"/>
+        </a:xfrm>
+      </p:grpSpPr>
+      <p:sp>
+        <p:nvSpPr>
+          <p:cNvPr id="2" name="Slide Image Placeholder 1"/>
+          <p:cNvSpPr>
+            <a:spLocks noGrp="1" noRot="1" noChangeAspect="1"/>
+          </p:cNvSpPr>
+          <p:nvPr>
+            <p:ph type="sldImg"/>
+          </p:nvPr>
+        </p:nvSpPr>
+        <p:spPr/>
+      </p:sp>
+      <p:sp>
+        <p:nvSpPr>
+          <p:cNvPr id="3" name="Notes Placeholder 2"/>
+          <p:cNvSpPr>
+            <a:spLocks noGrp="1"/>
+          </p:cNvSpPr>
+          <p:nvPr>
+            <p:ph type="body" idx="1"/>
+          </p:nvPr>
+        </p:nvSpPr>
+        <p:spPr/>
+        <p:txBody>
+          <a:bodyPr/>
+          <a:lstStyle/>
+          <a:p>
+            <a:endParaRPr lang="en-US" dirty="0"/>
+          </a:p>
+        </p:txBody>
+      </p:sp>
+      <p:sp>
+        <p:nvSpPr>
+          <p:cNvPr id="4" name="Slide Number Placeholder 3"/>
+          <p:cNvSpPr>
+            <a:spLocks noGrp="1"/>
+          </p:cNvSpPr>
+          <p:nvPr>
+            <p:ph type="sldNum" sz="quarter" idx="10"/>
+          </p:nvPr>
+        </p:nvSpPr>
+        <p:spPr/>
+        <p:txBody>
+          <a:bodyPr/>
+          <a:lstStyle/>
+          <a:p>
+            <a:fld id="{B9FD5500-052E-A640-8200-4EA386954F15}" type="slidenum">
+              <a:rPr lang="en-US" smtClean="0"/>
+              <a:t>12</a:t>
+            </a:fld>
+            <a:endParaRPr lang="en-US"/>
+          </a:p>
+        </p:txBody>
+      </p:sp>
+    </p:spTree>
+    <p:extLst>
+      <p:ext uri="{BB962C8B-B14F-4D97-AF65-F5344CB8AC3E}">
+        <p14:creationId xmlns:p14="http://schemas.microsoft.com/office/powerpoint/2010/main" val="3583544928"/>
+      </p:ext>
+    </p:extLst>
+  </p:cSld>
+  <p:clrMapOvr>
+    <a:masterClrMapping/>
+  </p:clrMapOvr>
+</p:notes>
+</file>
+
 <file path=ppt/notesSlides/notesSlide2.xml><?xml version="1.0" encoding="utf-8"?>
 <p:notes xmlns:a="http://schemas.openxmlformats.org/drawingml/2006/main" xmlns:r="http://schemas.openxmlformats.org/officeDocument/2006/relationships" xmlns:p="http://schemas.openxmlformats.org/presentationml/2006/main">
   <p:cSld>
@@ -1545,7 +1630,7 @@
           <a:p>
             <a:fld id="{00199B59-54F3-BA45-B4DB-BA8713EED6A6}" type="datetimeFigureOut">
               <a:rPr lang="en-US" smtClean="0"/>
-              <a:t>10/18/18</a:t>
+              <a:t>10/23/18</a:t>
             </a:fld>
             <a:endParaRPr lang="en-US"/>
           </a:p>
@@ -1743,7 +1828,7 @@
           <a:p>
             <a:fld id="{00199B59-54F3-BA45-B4DB-BA8713EED6A6}" type="datetimeFigureOut">
               <a:rPr lang="en-US" smtClean="0"/>
-              <a:t>10/18/18</a:t>
+              <a:t>10/23/18</a:t>
             </a:fld>
             <a:endParaRPr lang="en-US"/>
           </a:p>
@@ -1951,7 +2036,7 @@
           <a:p>
             <a:fld id="{00199B59-54F3-BA45-B4DB-BA8713EED6A6}" type="datetimeFigureOut">
               <a:rPr lang="en-US" smtClean="0"/>
-              <a:t>10/18/18</a:t>
+              <a:t>10/23/18</a:t>
             </a:fld>
             <a:endParaRPr lang="en-US"/>
           </a:p>
@@ -2149,7 +2234,7 @@
           <a:p>
             <a:fld id="{00199B59-54F3-BA45-B4DB-BA8713EED6A6}" type="datetimeFigureOut">
               <a:rPr lang="en-US" smtClean="0"/>
-              <a:t>10/18/18</a:t>
+              <a:t>10/23/18</a:t>
             </a:fld>
             <a:endParaRPr lang="en-US"/>
           </a:p>
@@ -2424,7 +2509,7 @@
           <a:p>
             <a:fld id="{00199B59-54F3-BA45-B4DB-BA8713EED6A6}" type="datetimeFigureOut">
               <a:rPr lang="en-US" smtClean="0"/>
-              <a:t>10/18/18</a:t>
+              <a:t>10/23/18</a:t>
             </a:fld>
             <a:endParaRPr lang="en-US"/>
           </a:p>
@@ -2689,7 +2774,7 @@
           <a:p>
             <a:fld id="{00199B59-54F3-BA45-B4DB-BA8713EED6A6}" type="datetimeFigureOut">
               <a:rPr lang="en-US" smtClean="0"/>
-              <a:t>10/18/18</a:t>
+              <a:t>10/23/18</a:t>
             </a:fld>
             <a:endParaRPr lang="en-US"/>
           </a:p>
@@ -3101,7 +3186,7 @@
           <a:p>
             <a:fld id="{00199B59-54F3-BA45-B4DB-BA8713EED6A6}" type="datetimeFigureOut">
               <a:rPr lang="en-US" smtClean="0"/>
-              <a:t>10/18/18</a:t>
+              <a:t>10/23/18</a:t>
             </a:fld>
             <a:endParaRPr lang="en-US"/>
           </a:p>
@@ -3242,7 +3327,7 @@
           <a:p>
             <a:fld id="{00199B59-54F3-BA45-B4DB-BA8713EED6A6}" type="datetimeFigureOut">
               <a:rPr lang="en-US" smtClean="0"/>
-              <a:t>10/18/18</a:t>
+              <a:t>10/23/18</a:t>
             </a:fld>
             <a:endParaRPr lang="en-US"/>
           </a:p>
@@ -3355,7 +3440,7 @@
           <a:p>
             <a:fld id="{00199B59-54F3-BA45-B4DB-BA8713EED6A6}" type="datetimeFigureOut">
               <a:rPr lang="en-US" smtClean="0"/>
-              <a:t>10/18/18</a:t>
+              <a:t>10/23/18</a:t>
             </a:fld>
             <a:endParaRPr lang="en-US"/>
           </a:p>
@@ -3666,7 +3751,7 @@
           <a:p>
             <a:fld id="{00199B59-54F3-BA45-B4DB-BA8713EED6A6}" type="datetimeFigureOut">
               <a:rPr lang="en-US" smtClean="0"/>
-              <a:t>10/18/18</a:t>
+              <a:t>10/23/18</a:t>
             </a:fld>
             <a:endParaRPr lang="en-US"/>
           </a:p>
@@ -3954,7 +4039,7 @@
           <a:p>
             <a:fld id="{00199B59-54F3-BA45-B4DB-BA8713EED6A6}" type="datetimeFigureOut">
               <a:rPr lang="en-US" smtClean="0"/>
-              <a:t>10/18/18</a:t>
+              <a:t>10/23/18</a:t>
             </a:fld>
             <a:endParaRPr lang="en-US"/>
           </a:p>
@@ -4195,7 +4280,7 @@
           <a:p>
             <a:fld id="{00199B59-54F3-BA45-B4DB-BA8713EED6A6}" type="datetimeFigureOut">
               <a:rPr lang="en-US" smtClean="0"/>
-              <a:t>10/18/18</a:t>
+              <a:t>10/23/18</a:t>
             </a:fld>
             <a:endParaRPr lang="en-US"/>
           </a:p>
@@ -5271,6 +5356,157 @@
 </p:sld>
 </file>
 
+<file path=ppt/slides/slide12.xml><?xml version="1.0" encoding="utf-8"?>
+<p:sld xmlns:a="http://schemas.openxmlformats.org/drawingml/2006/main" xmlns:r="http://schemas.openxmlformats.org/officeDocument/2006/relationships" xmlns:p="http://schemas.openxmlformats.org/presentationml/2006/main">
+  <p:cSld>
+    <p:spTree>
+      <p:nvGrpSpPr>
+        <p:cNvPr id="1" name=""/>
+        <p:cNvGrpSpPr/>
+        <p:nvPr/>
+      </p:nvGrpSpPr>
+      <p:grpSpPr>
+        <a:xfrm>
+          <a:off x="0" y="0"/>
+          <a:ext cx="0" cy="0"/>
+          <a:chOff x="0" y="0"/>
+          <a:chExt cx="0" cy="0"/>
+        </a:xfrm>
+      </p:grpSpPr>
+      <p:pic>
+        <p:nvPicPr>
+          <p:cNvPr id="13" name="Picture 12">
+            <a:extLst>
+              <a:ext uri="{FF2B5EF4-FFF2-40B4-BE49-F238E27FC236}">
+                <a16:creationId xmlns:a16="http://schemas.microsoft.com/office/drawing/2014/main" id="{CCC2A6AD-7E0D-B648-917E-F5AF63ED8072}"/>
+              </a:ext>
+            </a:extLst>
+          </p:cNvPr>
+          <p:cNvPicPr>
+            <a:picLocks noChangeAspect="1"/>
+          </p:cNvPicPr>
+          <p:nvPr/>
+        </p:nvPicPr>
+        <p:blipFill>
+          <a:blip r:embed="rId3"/>
+          <a:stretch>
+            <a:fillRect/>
+          </a:stretch>
+        </p:blipFill>
+        <p:spPr>
+          <a:xfrm>
+            <a:off x="52569" y="32391"/>
+            <a:ext cx="12053485" cy="758476"/>
+          </a:xfrm>
+          <a:prstGeom prst="rect">
+            <a:avLst/>
+          </a:prstGeom>
+        </p:spPr>
+      </p:pic>
+      <p:grpSp>
+        <p:nvGrpSpPr>
+          <p:cNvPr id="22" name="Group 21">
+            <a:extLst>
+              <a:ext uri="{FF2B5EF4-FFF2-40B4-BE49-F238E27FC236}">
+                <a16:creationId xmlns:a16="http://schemas.microsoft.com/office/drawing/2014/main" id="{7FBC2A72-6D5F-C947-9677-13EBA860FC7D}"/>
+              </a:ext>
+            </a:extLst>
+          </p:cNvPr>
+          <p:cNvGrpSpPr/>
+          <p:nvPr/>
+        </p:nvGrpSpPr>
+        <p:grpSpPr>
+          <a:xfrm>
+            <a:off x="37071" y="78885"/>
+            <a:ext cx="12053485" cy="6130868"/>
+            <a:chOff x="37071" y="78885"/>
+            <a:chExt cx="12053485" cy="6130868"/>
+          </a:xfrm>
+        </p:grpSpPr>
+        <p:pic>
+          <p:nvPicPr>
+            <p:cNvPr id="17" name="Picture 16">
+              <a:extLst>
+                <a:ext uri="{FF2B5EF4-FFF2-40B4-BE49-F238E27FC236}">
+                  <a16:creationId xmlns:a16="http://schemas.microsoft.com/office/drawing/2014/main" id="{19226777-8129-B945-AAD8-7337C9E6A8D6}"/>
+                </a:ext>
+              </a:extLst>
+            </p:cNvPr>
+            <p:cNvPicPr>
+              <a:picLocks noChangeAspect="1"/>
+            </p:cNvPicPr>
+            <p:nvPr/>
+          </p:nvPicPr>
+          <p:blipFill>
+            <a:blip r:embed="rId3"/>
+            <a:stretch>
+              <a:fillRect/>
+            </a:stretch>
+          </p:blipFill>
+          <p:spPr>
+            <a:xfrm>
+              <a:off x="37071" y="78885"/>
+              <a:ext cx="12053485" cy="758476"/>
+            </a:xfrm>
+            <a:prstGeom prst="rect">
+              <a:avLst/>
+            </a:prstGeom>
+          </p:spPr>
+        </p:pic>
+        <p:pic>
+          <p:nvPicPr>
+            <p:cNvPr id="20" name="Picture 19">
+              <a:extLst>
+                <a:ext uri="{FF2B5EF4-FFF2-40B4-BE49-F238E27FC236}">
+                  <a16:creationId xmlns:a16="http://schemas.microsoft.com/office/drawing/2014/main" id="{FFBE8A42-B7D6-C940-9797-EEABD9907CB0}"/>
+                </a:ext>
+              </a:extLst>
+            </p:cNvPr>
+            <p:cNvPicPr>
+              <a:picLocks noChangeAspect="1"/>
+            </p:cNvPicPr>
+            <p:nvPr/>
+          </p:nvPicPr>
+          <p:blipFill>
+            <a:blip r:embed="rId4">
+              <a:alphaModFix amt="59000"/>
+            </a:blip>
+            <a:stretch>
+              <a:fillRect/>
+            </a:stretch>
+          </p:blipFill>
+          <p:spPr>
+            <a:xfrm>
+              <a:off x="1562100" y="1790191"/>
+              <a:ext cx="8394700" cy="4419562"/>
+            </a:xfrm>
+            <a:prstGeom prst="rect">
+              <a:avLst/>
+            </a:prstGeom>
+            <a:effectLst>
+              <a:outerShdw blurRad="647700" dist="50800" dir="5400000" algn="ctr" rotWithShape="0">
+                <a:srgbClr val="000000">
+                  <a:alpha val="43137"/>
+                </a:srgbClr>
+              </a:outerShdw>
+              <a:softEdge rad="457200"/>
+            </a:effectLst>
+          </p:spPr>
+        </p:pic>
+      </p:grpSp>
+    </p:spTree>
+    <p:extLst>
+      <p:ext uri="{BB962C8B-B14F-4D97-AF65-F5344CB8AC3E}">
+        <p14:creationId xmlns:p14="http://schemas.microsoft.com/office/powerpoint/2010/main" val="3971551243"/>
+      </p:ext>
+    </p:extLst>
+  </p:cSld>
+  <p:clrMapOvr>
+    <a:masterClrMapping/>
+  </p:clrMapOvr>
+</p:sld>
+</file>
+
 <file path=ppt/slides/slide2.xml><?xml version="1.0" encoding="utf-8"?>
 <p:sld xmlns:a="http://schemas.openxmlformats.org/drawingml/2006/main" xmlns:r="http://schemas.openxmlformats.org/officeDocument/2006/relationships" xmlns:p="http://schemas.openxmlformats.org/presentationml/2006/main">
   <p:cSld>
@@ -6334,8 +6570,8 @@
         </p:nvSpPr>
         <p:spPr>
           <a:xfrm>
-            <a:off x="6076170" y="3138615"/>
-            <a:ext cx="5832389" cy="430887"/>
+            <a:off x="6721642" y="2598821"/>
+            <a:ext cx="5186917" cy="769441"/>
           </a:xfrm>
           <a:prstGeom prst="rect">
             <a:avLst/>
@@ -6350,7 +6586,13 @@
           <a:p>
             <a:r>
               <a:rPr lang="en-US" sz="2200" b="1" dirty="0"/>
-              <a:t>Popularity index =  (Number of reviews )/ ratings</a:t>
+              <a:t>Popularity index =  </a:t>
+            </a:r>
+          </a:p>
+          <a:p>
+            <a:r>
+              <a:rPr lang="en-US" sz="2200" b="1" dirty="0"/>
+              <a:t>                 (Number of reviews )/ (6-ratings)</a:t>
             </a:r>
           </a:p>
         </p:txBody>
@@ -6370,14 +6612,14 @@
           <p:nvPr>
             <p:extLst>
               <p:ext uri="{D42A27DB-BD31-4B8C-83A1-F6EECF244321}">
-                <p14:modId xmlns:p14="http://schemas.microsoft.com/office/powerpoint/2010/main" val="4156186836"/>
+                <p14:modId xmlns:p14="http://schemas.microsoft.com/office/powerpoint/2010/main" val="4080629885"/>
               </p:ext>
             </p:extLst>
           </p:nvPr>
         </p:nvGraphicFramePr>
         <p:xfrm>
-          <a:off x="126918" y="1782305"/>
-          <a:ext cx="5547670" cy="4572000"/>
+          <a:off x="81012" y="1516676"/>
+          <a:ext cx="5519214" cy="4414567"/>
         </p:xfrm>
         <a:graphic>
           <a:graphicData uri="http://schemas.openxmlformats.org/drawingml/2006/table">
@@ -6386,21 +6628,21 @@
                 <a:tableStyleId>{21E4AEA4-8DFA-4A89-87EB-49C32662AFE0}</a:tableStyleId>
               </a:tblPr>
               <a:tblGrid>
-                <a:gridCol w="1688592">
+                <a:gridCol w="1762760">
                   <a:extLst>
                     <a:ext uri="{9D8B030D-6E8A-4147-A177-3AD203B41FA5}">
-                      <a16:colId xmlns:a16="http://schemas.microsoft.com/office/drawing/2014/main" val="345755871"/>
+                      <a16:colId xmlns:a16="http://schemas.microsoft.com/office/drawing/2014/main" val="3979161794"/>
                     </a:ext>
                   </a:extLst>
                 </a:gridCol>
-                <a:gridCol w="1828800">
+                <a:gridCol w="1610925">
                   <a:extLst>
                     <a:ext uri="{9D8B030D-6E8A-4147-A177-3AD203B41FA5}">
                       <a16:colId xmlns:a16="http://schemas.microsoft.com/office/drawing/2014/main" val="2201875087"/>
                     </a:ext>
                   </a:extLst>
                 </a:gridCol>
-                <a:gridCol w="2030278">
+                <a:gridCol w="2145529">
                   <a:extLst>
                     <a:ext uri="{9D8B030D-6E8A-4147-A177-3AD203B41FA5}">
                       <a16:colId xmlns:a16="http://schemas.microsoft.com/office/drawing/2014/main" val="3500287938"/>
@@ -6408,12 +6650,13 @@
                   </a:extLst>
                 </a:gridCol>
               </a:tblGrid>
-              <a:tr h="632848">
+              <a:tr h="557157">
                 <a:tc>
                   <a:txBody>
                     <a:bodyPr/>
                     <a:lstStyle/>
                     <a:p>
+                      <a:pPr algn="l"/>
                       <a:r>
                         <a:rPr lang="en-US" dirty="0"/>
                         <a:t>Bar Name</a:t>
@@ -6460,16 +6703,26 @@
                   </a:ext>
                 </a:extLst>
               </a:tr>
-              <a:tr h="361627">
+              <a:tr h="414422">
                 <a:tc>
                   <a:txBody>
                     <a:bodyPr/>
                     <a:lstStyle/>
                     <a:p>
+                      <a:pPr algn="l"/>
                       <a:r>
-                        <a:rPr lang="en-US" dirty="0"/>
-                        <a:t>The Park</a:t>
+                        <a:rPr lang="en-US" sz="1800" b="0" i="0" kern="1200" dirty="0">
+                          <a:solidFill>
+                            <a:schemeClr val="dk1"/>
+                          </a:solidFill>
+                          <a:effectLst/>
+                          <a:latin typeface="+mn-lt"/>
+                          <a:ea typeface="+mn-ea"/>
+                          <a:cs typeface="+mn-cs"/>
+                        </a:rPr>
+                        <a:t>Angel’s Share</a:t>
                       </a:r>
+                      <a:endParaRPr lang="en-US" dirty="0"/>
                     </a:p>
                   </a:txBody>
                   <a:tcPr/>
@@ -6480,9 +6733,18 @@
                     <a:lstStyle/>
                     <a:p>
                       <a:r>
-                        <a:rPr lang="en-US" dirty="0"/>
-                        <a:t>565.33</a:t>
+                        <a:rPr lang="en-US" sz="1800" b="0" i="0" kern="1200" dirty="0">
+                          <a:solidFill>
+                            <a:schemeClr val="dk1"/>
+                          </a:solidFill>
+                          <a:effectLst/>
+                          <a:latin typeface="+mn-lt"/>
+                          <a:ea typeface="+mn-ea"/>
+                          <a:cs typeface="+mn-cs"/>
+                        </a:rPr>
+                        <a:t>1295.33</a:t>
                       </a:r>
+                      <a:endParaRPr lang="en-US" dirty="0"/>
                     </a:p>
                   </a:txBody>
                   <a:tcPr/>
@@ -6506,16 +6768,26 @@
                   </a:ext>
                 </a:extLst>
               </a:tr>
-              <a:tr h="361627">
+              <a:tr h="318375">
                 <a:tc>
                   <a:txBody>
                     <a:bodyPr/>
                     <a:lstStyle/>
                     <a:p>
+                      <a:pPr algn="l"/>
                       <a:r>
-                        <a:rPr lang="en-US" dirty="0"/>
+                        <a:rPr lang="en-US" sz="1800" b="0" i="0" kern="1200" dirty="0">
+                          <a:solidFill>
+                            <a:schemeClr val="dk1"/>
+                          </a:solidFill>
+                          <a:effectLst/>
+                          <a:latin typeface="+mn-lt"/>
+                          <a:ea typeface="+mn-ea"/>
+                          <a:cs typeface="+mn-cs"/>
+                        </a:rPr>
                         <a:t>The Smith</a:t>
                       </a:r>
+                      <a:endParaRPr lang="en-US" dirty="0"/>
                     </a:p>
                   </a:txBody>
                   <a:tcPr/>
@@ -6526,9 +6798,18 @@
                     <a:lstStyle/>
                     <a:p>
                       <a:r>
-                        <a:rPr lang="en-US" dirty="0"/>
-                        <a:t>534.25</a:t>
+                        <a:rPr lang="en-US" sz="1800" b="0" i="0" kern="1200" dirty="0">
+                          <a:solidFill>
+                            <a:schemeClr val="dk1"/>
+                          </a:solidFill>
+                          <a:effectLst/>
+                          <a:latin typeface="+mn-lt"/>
+                          <a:ea typeface="+mn-ea"/>
+                          <a:cs typeface="+mn-cs"/>
+                        </a:rPr>
+                        <a:t>1068.50</a:t>
                       </a:r>
+                      <a:endParaRPr lang="en-US" dirty="0"/>
                     </a:p>
                   </a:txBody>
                   <a:tcPr/>
@@ -6552,16 +6833,26 @@
                   </a:ext>
                 </a:extLst>
               </a:tr>
-              <a:tr h="361627">
+              <a:tr h="318375">
                 <a:tc>
                   <a:txBody>
                     <a:bodyPr/>
                     <a:lstStyle/>
                     <a:p>
+                      <a:pPr algn="l"/>
                       <a:r>
-                        <a:rPr lang="en-US" dirty="0"/>
+                        <a:rPr lang="en-US" sz="1800" b="0" i="0" kern="1200" dirty="0">
+                          <a:solidFill>
+                            <a:schemeClr val="dk1"/>
+                          </a:solidFill>
+                          <a:effectLst/>
+                          <a:latin typeface="+mn-lt"/>
+                          <a:ea typeface="+mn-ea"/>
+                          <a:cs typeface="+mn-cs"/>
+                        </a:rPr>
                         <a:t>Bea</a:t>
                       </a:r>
+                      <a:endParaRPr lang="en-US" dirty="0"/>
                     </a:p>
                   </a:txBody>
                   <a:tcPr/>
@@ -6572,9 +6863,18 @@
                     <a:lstStyle/>
                     <a:p>
                       <a:r>
-                        <a:rPr lang="en-US" dirty="0"/>
-                        <a:t>491.00</a:t>
+                        <a:rPr lang="en-US" sz="1800" b="0" i="0" kern="1200" dirty="0">
+                          <a:solidFill>
+                            <a:schemeClr val="dk1"/>
+                          </a:solidFill>
+                          <a:effectLst/>
+                          <a:latin typeface="+mn-lt"/>
+                          <a:ea typeface="+mn-ea"/>
+                          <a:cs typeface="+mn-cs"/>
+                        </a:rPr>
+                        <a:t>982.00</a:t>
                       </a:r>
+                      <a:endParaRPr lang="en-US" dirty="0"/>
                     </a:p>
                   </a:txBody>
                   <a:tcPr/>
@@ -6598,7 +6898,45 @@
                   </a:ext>
                 </a:extLst>
               </a:tr>
-              <a:tr h="361627">
+              <a:tr h="414422">
+                <a:tc>
+                  <a:txBody>
+                    <a:bodyPr/>
+                    <a:lstStyle/>
+                    <a:p>
+                      <a:pPr algn="l" fontAlgn="ctr"/>
+                      <a:r>
+                        <a:rPr lang="en-US" dirty="0">
+                          <a:effectLst/>
+                        </a:rPr>
+                        <a:t>Daniel</a:t>
+                      </a:r>
+                    </a:p>
+                  </a:txBody>
+                  <a:tcPr anchor="ctr"/>
+                </a:tc>
+                <a:tc>
+                  <a:txBody>
+                    <a:bodyPr/>
+                    <a:lstStyle/>
+                    <a:p>
+                      <a:r>
+                        <a:rPr lang="en-US" sz="1800" b="0" i="0" kern="1200" dirty="0">
+                          <a:solidFill>
+                            <a:schemeClr val="dk1"/>
+                          </a:solidFill>
+                          <a:effectLst/>
+                          <a:latin typeface="+mn-lt"/>
+                          <a:ea typeface="+mn-ea"/>
+                          <a:cs typeface="+mn-cs"/>
+                        </a:rPr>
+                        <a:t>959.33</a:t>
+                      </a:r>
+                      <a:endParaRPr lang="en-US" dirty="0"/>
+                    </a:p>
+                  </a:txBody>
+                  <a:tcPr/>
+                </a:tc>
                 <a:tc>
                   <a:txBody>
                     <a:bodyPr/>
@@ -6606,7 +6944,28 @@
                     <a:p>
                       <a:r>
                         <a:rPr lang="en-US" dirty="0"/>
-                        <a:t>Angel’s Share</a:t>
+                        <a:t>4</a:t>
+                      </a:r>
+                    </a:p>
+                  </a:txBody>
+                  <a:tcPr/>
+                </a:tc>
+                <a:extLst>
+                  <a:ext uri="{0D108BD9-81ED-4DB2-BD59-A6C34878D82A}">
+                    <a16:rowId xmlns:a16="http://schemas.microsoft.com/office/drawing/2014/main" val="1925286108"/>
+                  </a:ext>
+                </a:extLst>
+              </a:tr>
+              <a:tr h="385323">
+                <a:tc>
+                  <a:txBody>
+                    <a:bodyPr/>
+                    <a:lstStyle/>
+                    <a:p>
+                      <a:pPr algn="l"/>
+                      <a:r>
+                        <a:rPr lang="en-US" dirty="0"/>
+                        <a:t>Please Don’t Tell</a:t>
                       </a:r>
                     </a:p>
                   </a:txBody>
@@ -6618,61 +6977,18 @@
                     <a:lstStyle/>
                     <a:p>
                       <a:r>
-                        <a:rPr lang="en-US" dirty="0"/>
-                        <a:t>431.77</a:t>
+                        <a:rPr lang="en-US" sz="1800" b="0" i="0" kern="1200" dirty="0">
+                          <a:solidFill>
+                            <a:schemeClr val="dk1"/>
+                          </a:solidFill>
+                          <a:effectLst/>
+                          <a:latin typeface="+mn-lt"/>
+                          <a:ea typeface="+mn-ea"/>
+                          <a:cs typeface="+mn-cs"/>
+                        </a:rPr>
+                        <a:t>795.50</a:t>
                       </a:r>
-                    </a:p>
-                  </a:txBody>
-                  <a:tcPr/>
-                </a:tc>
-                <a:tc>
-                  <a:txBody>
-                    <a:bodyPr/>
-                    <a:lstStyle/>
-                    <a:p>
-                      <a:r>
-                        <a:rPr lang="en-US" dirty="0"/>
-                        <a:t>2</a:t>
-                      </a:r>
-                    </a:p>
-                  </a:txBody>
-                  <a:tcPr/>
-                </a:tc>
-                <a:extLst>
-                  <a:ext uri="{0D108BD9-81ED-4DB2-BD59-A6C34878D82A}">
-                    <a16:rowId xmlns:a16="http://schemas.microsoft.com/office/drawing/2014/main" val="1925286108"/>
-                  </a:ext>
-                </a:extLst>
-              </a:tr>
-              <a:tr h="632848">
-                <a:tc>
-                  <a:txBody>
-                    <a:bodyPr/>
-                    <a:lstStyle/>
-                    <a:p>
-                      <a:r>
-                        <a:rPr lang="en-US" dirty="0"/>
-                        <a:t>Please Don’t</a:t>
-                      </a:r>
-                    </a:p>
-                    <a:p>
-                      <a:r>
-                        <a:rPr lang="en-US" dirty="0"/>
-                        <a:t>Tell</a:t>
-                      </a:r>
-                    </a:p>
-                  </a:txBody>
-                  <a:tcPr/>
-                </a:tc>
-                <a:tc>
-                  <a:txBody>
-                    <a:bodyPr/>
-                    <a:lstStyle/>
-                    <a:p>
-                      <a:r>
-                        <a:rPr lang="en-US" dirty="0"/>
-                        <a:t>397.75</a:t>
-                      </a:r>
+                      <a:endParaRPr lang="en-US" dirty="0"/>
                     </a:p>
                   </a:txBody>
                   <a:tcPr/>
@@ -6696,16 +7012,26 @@
                   </a:ext>
                 </a:extLst>
               </a:tr>
-              <a:tr h="361627">
+              <a:tr h="318375">
                 <a:tc>
                   <a:txBody>
                     <a:bodyPr/>
                     <a:lstStyle/>
                     <a:p>
+                      <a:pPr algn="l"/>
                       <a:r>
-                        <a:rPr lang="en-US" dirty="0"/>
-                        <a:t>The Smith</a:t>
+                        <a:rPr lang="en-US" sz="1800" b="0" i="0" kern="1200" dirty="0">
+                          <a:solidFill>
+                            <a:schemeClr val="dk1"/>
+                          </a:solidFill>
+                          <a:effectLst/>
+                          <a:latin typeface="+mn-lt"/>
+                          <a:ea typeface="+mn-ea"/>
+                          <a:cs typeface="+mn-cs"/>
+                        </a:rPr>
+                        <a:t>Frying Pan</a:t>
                       </a:r>
+                      <a:endParaRPr lang="en-US" dirty="0"/>
                     </a:p>
                   </a:txBody>
                   <a:tcPr/>
@@ -6716,9 +7042,18 @@
                     <a:lstStyle/>
                     <a:p>
                       <a:r>
-                        <a:rPr lang="en-US" dirty="0"/>
-                        <a:t>393.71</a:t>
+                        <a:rPr lang="en-US" sz="1800" b="0" i="0" kern="1200" dirty="0">
+                          <a:solidFill>
+                            <a:schemeClr val="dk1"/>
+                          </a:solidFill>
+                          <a:effectLst/>
+                          <a:latin typeface="+mn-lt"/>
+                          <a:ea typeface="+mn-ea"/>
+                          <a:cs typeface="+mn-cs"/>
+                        </a:rPr>
+                        <a:t>694.00</a:t>
                       </a:r>
+                      <a:endParaRPr lang="en-US" dirty="0"/>
                     </a:p>
                   </a:txBody>
                   <a:tcPr/>
@@ -6742,16 +7077,48 @@
                   </a:ext>
                 </a:extLst>
               </a:tr>
-              <a:tr h="361627">
+              <a:tr h="318375">
+                <a:tc>
+                  <a:txBody>
+                    <a:bodyPr/>
+                    <a:lstStyle/>
+                    <a:p>
+                      <a:pPr algn="l"/>
+                      <a:r>
+                        <a:rPr lang="en-US" sz="1800" b="0" i="0" kern="1200" dirty="0">
+                          <a:solidFill>
+                            <a:schemeClr val="dk1"/>
+                          </a:solidFill>
+                          <a:effectLst/>
+                          <a:latin typeface="+mn-lt"/>
+                          <a:ea typeface="+mn-ea"/>
+                          <a:cs typeface="+mn-cs"/>
+                        </a:rPr>
+                        <a:t>Death &amp; Co</a:t>
+                      </a:r>
+                      <a:endParaRPr lang="en-US" dirty="0"/>
+                    </a:p>
+                  </a:txBody>
+                  <a:tcPr/>
+                </a:tc>
                 <a:tc>
                   <a:txBody>
                     <a:bodyPr/>
                     <a:lstStyle/>
                     <a:p>
                       <a:r>
-                        <a:rPr lang="en-US" dirty="0"/>
-                        <a:t>Frying Pan</a:t>
+                        <a:rPr lang="en-US" sz="1800" b="0" i="0" kern="1200" dirty="0">
+                          <a:solidFill>
+                            <a:schemeClr val="dk1"/>
+                          </a:solidFill>
+                          <a:effectLst/>
+                          <a:latin typeface="+mn-lt"/>
+                          <a:ea typeface="+mn-ea"/>
+                          <a:cs typeface="+mn-cs"/>
+                        </a:rPr>
+                        <a:t>683.50</a:t>
                       </a:r>
+                      <a:endParaRPr lang="en-US" dirty="0"/>
                     </a:p>
                   </a:txBody>
                   <a:tcPr/>
@@ -6763,20 +7130,7 @@
                     <a:p>
                       <a:r>
                         <a:rPr lang="en-US" dirty="0"/>
-                        <a:t>347.00</a:t>
-                      </a:r>
-                    </a:p>
-                  </a:txBody>
-                  <a:tcPr/>
-                </a:tc>
-                <a:tc>
-                  <a:txBody>
-                    <a:bodyPr/>
-                    <a:lstStyle/>
-                    <a:p>
-                      <a:r>
-                        <a:rPr lang="en-US" dirty="0"/>
-                        <a:t>2</a:t>
+                        <a:t>3</a:t>
                       </a:r>
                     </a:p>
                   </a:txBody>
@@ -6788,16 +7142,26 @@
                   </a:ext>
                 </a:extLst>
               </a:tr>
-              <a:tr h="361627">
+              <a:tr h="355875">
                 <a:tc>
                   <a:txBody>
                     <a:bodyPr/>
                     <a:lstStyle/>
                     <a:p>
+                      <a:pPr algn="l"/>
                       <a:r>
-                        <a:rPr lang="en-US" dirty="0"/>
-                        <a:t>Death &amp; Co</a:t>
+                        <a:rPr lang="en-US" sz="1800" b="0" i="0" kern="1200" dirty="0">
+                          <a:solidFill>
+                            <a:schemeClr val="dk1"/>
+                          </a:solidFill>
+                          <a:effectLst/>
+                          <a:latin typeface="+mn-lt"/>
+                          <a:ea typeface="+mn-ea"/>
+                          <a:cs typeface="+mn-cs"/>
+                        </a:rPr>
+                        <a:t>Employees Only</a:t>
                       </a:r>
+                      <a:endParaRPr lang="en-US" dirty="0"/>
                     </a:p>
                   </a:txBody>
                   <a:tcPr/>
@@ -6808,9 +7172,18 @@
                     <a:lstStyle/>
                     <a:p>
                       <a:r>
-                        <a:rPr lang="en-US" dirty="0"/>
-                        <a:t>341.75</a:t>
+                        <a:rPr lang="en-US" sz="1800" b="0" i="0" kern="1200" dirty="0">
+                          <a:solidFill>
+                            <a:schemeClr val="dk1"/>
+                          </a:solidFill>
+                          <a:effectLst/>
+                          <a:latin typeface="+mn-lt"/>
+                          <a:ea typeface="+mn-ea"/>
+                          <a:cs typeface="+mn-cs"/>
+                        </a:rPr>
+                        <a:t>673.00</a:t>
                       </a:r>
+                      <a:endParaRPr lang="en-US" dirty="0"/>
                     </a:p>
                   </a:txBody>
                   <a:tcPr/>
@@ -6834,19 +7207,22 @@
                   </a:ext>
                 </a:extLst>
               </a:tr>
-              <a:tr h="361627">
+              <a:tr h="318375">
                 <a:tc>
                   <a:txBody>
                     <a:bodyPr/>
                     <a:lstStyle/>
                     <a:p>
+                      <a:pPr algn="l" fontAlgn="ctr"/>
                       <a:r>
-                        <a:rPr lang="en-US" dirty="0"/>
-                        <a:t>Employees only</a:t>
+                        <a:rPr lang="en-US" dirty="0">
+                          <a:effectLst/>
+                        </a:rPr>
+                        <a:t>Verlaine</a:t>
                       </a:r>
                     </a:p>
                   </a:txBody>
-                  <a:tcPr/>
+                  <a:tcPr anchor="ctr"/>
                 </a:tc>
                 <a:tc>
                   <a:txBody>
@@ -6854,9 +7230,18 @@
                     <a:lstStyle/>
                     <a:p>
                       <a:r>
-                        <a:rPr lang="en-US" dirty="0"/>
-                        <a:t>336.50</a:t>
+                        <a:rPr lang="en-US" sz="1800" b="0" i="0" kern="1200" dirty="0">
+                          <a:solidFill>
+                            <a:schemeClr val="dk1"/>
+                          </a:solidFill>
+                          <a:effectLst/>
+                          <a:latin typeface="+mn-lt"/>
+                          <a:ea typeface="+mn-ea"/>
+                          <a:cs typeface="+mn-cs"/>
+                        </a:rPr>
+                        <a:t>667.50</a:t>
                       </a:r>
+                      <a:endParaRPr lang="en-US" dirty="0"/>
                     </a:p>
                   </a:txBody>
                   <a:tcPr/>
@@ -6880,7 +7265,7 @@
                   </a:ext>
                 </a:extLst>
               </a:tr>
-              <a:tr h="361627">
+              <a:tr h="318375">
                 <a:tc>
                   <a:txBody>
                     <a:bodyPr/>
@@ -6888,11 +7273,14 @@
                     <a:p>
                       <a:pPr algn="l" fontAlgn="ctr"/>
                       <a:r>
-                        <a:rPr lang="en-US" dirty="0">
+                        <a:rPr lang="en-US" dirty="0" err="1">
                           <a:effectLst/>
                         </a:rPr>
-                        <a:t>Verlaine    </a:t>
+                        <a:t>Apothèke</a:t>
                       </a:r>
+                      <a:endParaRPr lang="en-US" dirty="0">
+                        <a:effectLst/>
+                      </a:endParaRPr>
                     </a:p>
                   </a:txBody>
                   <a:tcPr anchor="ctr"/>
@@ -6904,11 +7292,20 @@
                     <a:p>
                       <a:pPr algn="l" fontAlgn="ctr"/>
                       <a:r>
-                        <a:rPr lang="en-US" dirty="0">
+                        <a:rPr lang="en-US" sz="1800" b="0" i="0" kern="1200" dirty="0">
+                          <a:solidFill>
+                            <a:schemeClr val="dk1"/>
+                          </a:solidFill>
                           <a:effectLst/>
+                          <a:latin typeface="+mn-lt"/>
+                          <a:ea typeface="+mn-ea"/>
+                          <a:cs typeface="+mn-cs"/>
                         </a:rPr>
-                        <a:t>333.75</a:t>
+                        <a:t>666.50</a:t>
                       </a:r>
+                      <a:endParaRPr lang="en-US" dirty="0">
+                        <a:effectLst/>
+                      </a:endParaRPr>
                     </a:p>
                   </a:txBody>
                   <a:tcPr anchor="ctr"/>
@@ -7202,7 +7599,7 @@
           <p:nvPr>
             <p:extLst>
               <p:ext uri="{D42A27DB-BD31-4B8C-83A1-F6EECF244321}">
-                <p14:modId xmlns:p14="http://schemas.microsoft.com/office/powerpoint/2010/main" val="4253060991"/>
+                <p14:modId xmlns:p14="http://schemas.microsoft.com/office/powerpoint/2010/main" val="3804403522"/>
               </p:ext>
             </p:extLst>
           </p:nvPr>
@@ -7502,7 +7899,7 @@
                     <a:p>
                       <a:r>
                         <a:rPr lang="en-US" dirty="0"/>
-                        <a:t>4.68</a:t>
+                        <a:t>12.44</a:t>
                       </a:r>
                     </a:p>
                   </a:txBody>
@@ -7980,21 +8377,8 @@
                   <a:srgbClr val="F3FF65"/>
                 </a:highlight>
               </a:rPr>
-              <a:t>Bar Happy </a:t>
-            </a:r>
-            <a:r>
-              <a:rPr lang="en-US" sz="2500" b="1">
-                <a:highlight>
-                  <a:srgbClr val="F3FF65"/>
-                </a:highlight>
-              </a:rPr>
-              <a:t>Hour                              53.04 %</a:t>
-            </a:r>
-            <a:endParaRPr lang="en-US" sz="2500" b="1" dirty="0">
-              <a:highlight>
-                <a:srgbClr val="F3FF65"/>
-              </a:highlight>
-            </a:endParaRPr>
+              <a:t>Bar Happy Hour                              53.04 %</a:t>
+            </a:r>
           </a:p>
         </p:txBody>
       </p:sp>
